--- a/Lectures/Creating-Python-Packages/creating_python_packages.pptx
+++ b/Lectures/Creating-Python-Packages/creating_python_packages.pptx
@@ -5,7 +5,7 @@
     <p:sldMasterId id="2147483648" r:id="rId1"/>
   </p:sldMasterIdLst>
   <p:notesMasterIdLst>
-    <p:notesMasterId r:id="rId15"/>
+    <p:notesMasterId r:id="rId16"/>
   </p:notesMasterIdLst>
   <p:sldIdLst>
     <p:sldId id="256" r:id="rId2"/>
@@ -21,16 +21,17 @@
     <p:sldId id="263" r:id="rId12"/>
     <p:sldId id="268" r:id="rId13"/>
     <p:sldId id="270" r:id="rId14"/>
+    <p:sldId id="271" r:id="rId15"/>
   </p:sldIdLst>
   <p:sldSz cx="9144000" cy="6858000" type="screen4x3"/>
   <p:notesSz cx="6858000" cy="9144000"/>
   <p:embeddedFontLst>
     <p:embeddedFont>
       <p:font typeface="Calibri" panose="020F0502020204030204" pitchFamily="34" charset="0"/>
-      <p:regular r:id="rId16"/>
-      <p:bold r:id="rId17"/>
-      <p:italic r:id="rId18"/>
-      <p:boldItalic r:id="rId19"/>
+      <p:regular r:id="rId17"/>
+      <p:bold r:id="rId18"/>
+      <p:italic r:id="rId19"/>
+      <p:boldItalic r:id="rId20"/>
     </p:embeddedFont>
   </p:embeddedFontLst>
   <p:defaultTextStyle>
@@ -13603,6 +13604,112 @@
 </p:sld>
 </file>
 
+<file path=ppt/slides/slide14.xml><?xml version="1.0" encoding="utf-8"?>
+<p:sld xmlns:a="http://schemas.openxmlformats.org/drawingml/2006/main" xmlns:r="http://schemas.openxmlformats.org/officeDocument/2006/relationships" xmlns:p="http://schemas.openxmlformats.org/presentationml/2006/main">
+  <p:cSld>
+    <p:spTree>
+      <p:nvGrpSpPr>
+        <p:cNvPr id="1" name=""/>
+        <p:cNvGrpSpPr/>
+        <p:nvPr/>
+      </p:nvGrpSpPr>
+      <p:grpSpPr>
+        <a:xfrm>
+          <a:off x="0" y="0"/>
+          <a:ext cx="0" cy="0"/>
+          <a:chOff x="0" y="0"/>
+          <a:chExt cx="0" cy="0"/>
+        </a:xfrm>
+      </p:grpSpPr>
+      <p:sp>
+        <p:nvSpPr>
+          <p:cNvPr id="2" name="Title 1">
+            <a:extLst>
+              <a:ext uri="{FF2B5EF4-FFF2-40B4-BE49-F238E27FC236}">
+                <a16:creationId xmlns:a16="http://schemas.microsoft.com/office/drawing/2014/main" id="{D30B6767-7D09-D641-D151-C27DD7EAF139}"/>
+              </a:ext>
+            </a:extLst>
+          </p:cNvPr>
+          <p:cNvSpPr>
+            <a:spLocks noGrp="1"/>
+          </p:cNvSpPr>
+          <p:nvPr>
+            <p:ph type="title"/>
+          </p:nvPr>
+        </p:nvSpPr>
+        <p:spPr/>
+        <p:txBody>
+          <a:bodyPr/>
+          <a:lstStyle/>
+          <a:p>
+            <a:r>
+              <a:rPr lang="en-US" dirty="0"/>
+              <a:t>Example </a:t>
+            </a:r>
+            <a:r>
+              <a:rPr lang="en-US" dirty="0">
+                <a:hlinkClick r:id="rId2"/>
+              </a:rPr>
+              <a:t>Repository</a:t>
+            </a:r>
+            <a:r>
+              <a:rPr lang="en-US" dirty="0"/>
+              <a:t> From Class</a:t>
+            </a:r>
+          </a:p>
+        </p:txBody>
+      </p:sp>
+      <p:sp>
+        <p:nvSpPr>
+          <p:cNvPr id="4" name="Slide Number Placeholder 3">
+            <a:extLst>
+              <a:ext uri="{FF2B5EF4-FFF2-40B4-BE49-F238E27FC236}">
+                <a16:creationId xmlns:a16="http://schemas.microsoft.com/office/drawing/2014/main" id="{21474591-10BE-DE4F-20D6-1B78FB4C9562}"/>
+              </a:ext>
+            </a:extLst>
+          </p:cNvPr>
+          <p:cNvSpPr>
+            <a:spLocks noGrp="1"/>
+          </p:cNvSpPr>
+          <p:nvPr>
+            <p:ph type="sldNum" idx="12"/>
+          </p:nvPr>
+        </p:nvSpPr>
+        <p:spPr/>
+        <p:txBody>
+          <a:bodyPr/>
+          <a:lstStyle/>
+          <a:p>
+            <a:pPr marL="0" lvl="0" indent="0" algn="l" rtl="0">
+              <a:spcBef>
+                <a:spcPts val="0"/>
+              </a:spcBef>
+              <a:spcAft>
+                <a:spcPts val="0"/>
+              </a:spcAft>
+              <a:buNone/>
+            </a:pPr>
+            <a:fld id="{00000000-1234-1234-1234-123412341234}" type="slidenum">
+              <a:rPr lang="en-US" smtClean="0"/>
+              <a:t>14</a:t>
+            </a:fld>
+            <a:endParaRPr lang="en-US"/>
+          </a:p>
+        </p:txBody>
+      </p:sp>
+    </p:spTree>
+    <p:extLst>
+      <p:ext uri="{BB962C8B-B14F-4D97-AF65-F5344CB8AC3E}">
+        <p14:creationId xmlns:p14="http://schemas.microsoft.com/office/powerpoint/2010/main" val="1815044250"/>
+      </p:ext>
+    </p:extLst>
+  </p:cSld>
+  <p:clrMapOvr>
+    <a:masterClrMapping/>
+  </p:clrMapOvr>
+</p:sld>
+</file>
+
 <file path=ppt/slides/slide2.xml><?xml version="1.0" encoding="utf-8"?>
 <p:sld xmlns:a="http://schemas.openxmlformats.org/drawingml/2006/main" xmlns:r="http://schemas.openxmlformats.org/officeDocument/2006/relationships" xmlns:p="http://schemas.openxmlformats.org/presentationml/2006/main">
   <p:cSld>

--- a/Lectures/Creating-Python-Packages/creating_python_packages.pptx
+++ b/Lectures/Creating-Python-Packages/creating_python_packages.pptx
@@ -5,7 +5,7 @@
     <p:sldMasterId id="2147483648" r:id="rId1"/>
   </p:sldMasterIdLst>
   <p:notesMasterIdLst>
-    <p:notesMasterId r:id="rId16"/>
+    <p:notesMasterId r:id="rId17"/>
   </p:notesMasterIdLst>
   <p:sldIdLst>
     <p:sldId id="256" r:id="rId2"/>
@@ -22,18 +22,10 @@
     <p:sldId id="268" r:id="rId13"/>
     <p:sldId id="270" r:id="rId14"/>
     <p:sldId id="271" r:id="rId15"/>
+    <p:sldId id="272" r:id="rId16"/>
   </p:sldIdLst>
   <p:sldSz cx="9144000" cy="6858000" type="screen4x3"/>
   <p:notesSz cx="6858000" cy="9144000"/>
-  <p:embeddedFontLst>
-    <p:embeddedFont>
-      <p:font typeface="Calibri" panose="020F0502020204030204" pitchFamily="34" charset="0"/>
-      <p:regular r:id="rId17"/>
-      <p:bold r:id="rId18"/>
-      <p:italic r:id="rId19"/>
-      <p:boldItalic r:id="rId20"/>
-    </p:embeddedFont>
-  </p:embeddedFontLst>
   <p:defaultTextStyle>
     <a:defPPr marR="0" lvl="0" algn="l" rtl="0">
       <a:lnSpc>
@@ -279,7 +271,7 @@
       </p15:sldGuideLst>
     </p:ext>
     <p:ext uri="http://customooxmlschemas.google.com/">
-      <go:slidesCustomData xmlns:go="http://customooxmlschemas.google.com/" xmlns:ahyp="http://schemas.microsoft.com/office/drawing/2018/hyperlinkcolor" xmlns:p15="http://schemas.microsoft.com/office/powerpoint/2012/main" xmlns:p14="http://schemas.microsoft.com/office/powerpoint/2010/main" xmlns:com="http://schemas.openxmlformats.org/drawingml/2006/compatibility" xmlns:pvml="urn:schemas-microsoft-com:office:powerpoint" xmlns:v="urn:schemas-microsoft-com:vml" xmlns:o="urn:schemas-microsoft-com:office:office" xmlns:dgm="http://schemas.openxmlformats.org/drawingml/2006/diagram" xmlns:c="http://schemas.openxmlformats.org/drawingml/2006/chart" xmlns:mv="urn:schemas-microsoft-com:mac:vml" xmlns:mc="http://schemas.openxmlformats.org/markup-compatibility/2006" xmlns="" r:id="rId41" roundtripDataSignature="AMtx7mgCuaoS/ao6GLJNkk1J/HieLCYVzQ=="/>
+      <go:slidesCustomData xmlns="" xmlns:mc="http://schemas.openxmlformats.org/markup-compatibility/2006" xmlns:mv="urn:schemas-microsoft-com:mac:vml" xmlns:c="http://schemas.openxmlformats.org/drawingml/2006/chart" xmlns:dgm="http://schemas.openxmlformats.org/drawingml/2006/diagram" xmlns:o="urn:schemas-microsoft-com:office:office" xmlns:v="urn:schemas-microsoft-com:vml" xmlns:pvml="urn:schemas-microsoft-com:office:powerpoint" xmlns:com="http://schemas.openxmlformats.org/drawingml/2006/compatibility" xmlns:p14="http://schemas.microsoft.com/office/powerpoint/2010/main" xmlns:p15="http://schemas.microsoft.com/office/powerpoint/2012/main" xmlns:ahyp="http://schemas.microsoft.com/office/drawing/2018/hyperlinkcolor" xmlns:go="http://customooxmlschemas.google.com/" r:id="rId41" roundtripDataSignature="AMtx7mgCuaoS/ao6GLJNkk1J/HieLCYVzQ=="/>
     </p:ext>
   </p:extLst>
 </p:presentation>
@@ -13710,6 +13702,133 @@
 </p:sld>
 </file>
 
+<file path=ppt/slides/slide15.xml><?xml version="1.0" encoding="utf-8"?>
+<p:sld xmlns:a="http://schemas.openxmlformats.org/drawingml/2006/main" xmlns:r="http://schemas.openxmlformats.org/officeDocument/2006/relationships" xmlns:p="http://schemas.openxmlformats.org/presentationml/2006/main">
+  <p:cSld>
+    <p:spTree>
+      <p:nvGrpSpPr>
+        <p:cNvPr id="1" name=""/>
+        <p:cNvGrpSpPr/>
+        <p:nvPr/>
+      </p:nvGrpSpPr>
+      <p:grpSpPr>
+        <a:xfrm>
+          <a:off x="0" y="0"/>
+          <a:ext cx="0" cy="0"/>
+          <a:chOff x="0" y="0"/>
+          <a:chExt cx="0" cy="0"/>
+        </a:xfrm>
+      </p:grpSpPr>
+      <p:sp>
+        <p:nvSpPr>
+          <p:cNvPr id="2" name="Title 1">
+            <a:extLst>
+              <a:ext uri="{FF2B5EF4-FFF2-40B4-BE49-F238E27FC236}">
+                <a16:creationId xmlns:a16="http://schemas.microsoft.com/office/drawing/2014/main" id="{0B33D84C-6F08-1894-FE1C-85987E23BBEF}"/>
+              </a:ext>
+            </a:extLst>
+          </p:cNvPr>
+          <p:cNvSpPr>
+            <a:spLocks noGrp="1"/>
+          </p:cNvSpPr>
+          <p:nvPr>
+            <p:ph type="title"/>
+          </p:nvPr>
+        </p:nvSpPr>
+        <p:spPr/>
+        <p:txBody>
+          <a:bodyPr/>
+          <a:lstStyle/>
+          <a:p>
+            <a:r>
+              <a:rPr lang="en-US" dirty="0"/>
+              <a:t>Mechanics of a Package</a:t>
+            </a:r>
+          </a:p>
+        </p:txBody>
+      </p:sp>
+      <p:sp>
+        <p:nvSpPr>
+          <p:cNvPr id="3" name="Text Placeholder 2">
+            <a:extLst>
+              <a:ext uri="{FF2B5EF4-FFF2-40B4-BE49-F238E27FC236}">
+                <a16:creationId xmlns:a16="http://schemas.microsoft.com/office/drawing/2014/main" id="{356609FD-0DA6-32D8-130E-DCEB56B7BBAC}"/>
+              </a:ext>
+            </a:extLst>
+          </p:cNvPr>
+          <p:cNvSpPr>
+            <a:spLocks noGrp="1"/>
+          </p:cNvSpPr>
+          <p:nvPr>
+            <p:ph type="body" idx="1"/>
+          </p:nvPr>
+        </p:nvSpPr>
+        <p:spPr/>
+        <p:txBody>
+          <a:bodyPr/>
+          <a:lstStyle/>
+          <a:p>
+            <a:r>
+              <a:rPr lang="en-US" dirty="0">
+                <a:hlinkClick r:id="rId2"/>
+              </a:rPr>
+              <a:t>See this page</a:t>
+            </a:r>
+            <a:endParaRPr lang="en-US" dirty="0"/>
+          </a:p>
+        </p:txBody>
+      </p:sp>
+      <p:sp>
+        <p:nvSpPr>
+          <p:cNvPr id="4" name="Slide Number Placeholder 3">
+            <a:extLst>
+              <a:ext uri="{FF2B5EF4-FFF2-40B4-BE49-F238E27FC236}">
+                <a16:creationId xmlns:a16="http://schemas.microsoft.com/office/drawing/2014/main" id="{F61AC880-D8C2-63B0-D692-4C1DCCB357C9}"/>
+              </a:ext>
+            </a:extLst>
+          </p:cNvPr>
+          <p:cNvSpPr>
+            <a:spLocks noGrp="1"/>
+          </p:cNvSpPr>
+          <p:nvPr>
+            <p:ph type="sldNum" idx="12"/>
+          </p:nvPr>
+        </p:nvSpPr>
+        <p:spPr/>
+        <p:txBody>
+          <a:bodyPr/>
+          <a:lstStyle/>
+          <a:p>
+            <a:pPr marL="0" lvl="0" indent="0" algn="l" rtl="0">
+              <a:spcBef>
+                <a:spcPts val="0"/>
+              </a:spcBef>
+              <a:spcAft>
+                <a:spcPts val="0"/>
+              </a:spcAft>
+              <a:buNone/>
+            </a:pPr>
+            <a:fld id="{00000000-1234-1234-1234-123412341234}" type="slidenum">
+              <a:rPr lang="en-US" smtClean="0"/>
+              <a:t>15</a:t>
+            </a:fld>
+            <a:endParaRPr lang="en-US"/>
+          </a:p>
+        </p:txBody>
+      </p:sp>
+    </p:spTree>
+    <p:extLst>
+      <p:ext uri="{BB962C8B-B14F-4D97-AF65-F5344CB8AC3E}">
+        <p14:creationId xmlns:p14="http://schemas.microsoft.com/office/powerpoint/2010/main" val="3608926627"/>
+      </p:ext>
+    </p:extLst>
+  </p:cSld>
+  <p:clrMapOvr>
+    <a:masterClrMapping/>
+  </p:clrMapOvr>
+</p:sld>
+</file>
+
 <file path=ppt/slides/slide2.xml><?xml version="1.0" encoding="utf-8"?>
 <p:sld xmlns:a="http://schemas.openxmlformats.org/drawingml/2006/main" xmlns:r="http://schemas.openxmlformats.org/officeDocument/2006/relationships" xmlns:p="http://schemas.openxmlformats.org/presentationml/2006/main">
   <p:cSld>
